--- a/images/icon.pptx
+++ b/images/icon.pptx
@@ -105,6 +105,11 @@
       </a:defRPr>
     </a:lvl9pPr>
   </p:defaultTextStyle>
+  <p:extLst>
+    <p:ext uri="{EFAFB233-063F-42B5-8137-9DF3F51BA10A}">
+      <p15:sldGuideLst xmlns:p15="http://schemas.microsoft.com/office/powerpoint/2012/main"/>
+    </p:ext>
+  </p:extLst>
 </p:presentation>
 </file>
 
@@ -257,7 +262,7 @@
           <a:p>
             <a:fld id="{AECB94CF-D79C-461A-9D2E-F3FBD25AF99B}" type="datetimeFigureOut">
               <a:rPr lang="zh-CN" altLang="en-US" smtClean="0"/>
-              <a:t>2024/11/27</a:t>
+              <a:t>2024/12/14</a:t>
             </a:fld>
             <a:endParaRPr lang="zh-CN" altLang="en-US"/>
           </a:p>
@@ -457,7 +462,7 @@
           <a:p>
             <a:fld id="{AECB94CF-D79C-461A-9D2E-F3FBD25AF99B}" type="datetimeFigureOut">
               <a:rPr lang="zh-CN" altLang="en-US" smtClean="0"/>
-              <a:t>2024/11/27</a:t>
+              <a:t>2024/12/14</a:t>
             </a:fld>
             <a:endParaRPr lang="zh-CN" altLang="en-US"/>
           </a:p>
@@ -667,7 +672,7 @@
           <a:p>
             <a:fld id="{AECB94CF-D79C-461A-9D2E-F3FBD25AF99B}" type="datetimeFigureOut">
               <a:rPr lang="zh-CN" altLang="en-US" smtClean="0"/>
-              <a:t>2024/11/27</a:t>
+              <a:t>2024/12/14</a:t>
             </a:fld>
             <a:endParaRPr lang="zh-CN" altLang="en-US"/>
           </a:p>
@@ -867,7 +872,7 @@
           <a:p>
             <a:fld id="{AECB94CF-D79C-461A-9D2E-F3FBD25AF99B}" type="datetimeFigureOut">
               <a:rPr lang="zh-CN" altLang="en-US" smtClean="0"/>
-              <a:t>2024/11/27</a:t>
+              <a:t>2024/12/14</a:t>
             </a:fld>
             <a:endParaRPr lang="zh-CN" altLang="en-US"/>
           </a:p>
@@ -1143,7 +1148,7 @@
           <a:p>
             <a:fld id="{AECB94CF-D79C-461A-9D2E-F3FBD25AF99B}" type="datetimeFigureOut">
               <a:rPr lang="zh-CN" altLang="en-US" smtClean="0"/>
-              <a:t>2024/11/27</a:t>
+              <a:t>2024/12/14</a:t>
             </a:fld>
             <a:endParaRPr lang="zh-CN" altLang="en-US"/>
           </a:p>
@@ -1411,7 +1416,7 @@
           <a:p>
             <a:fld id="{AECB94CF-D79C-461A-9D2E-F3FBD25AF99B}" type="datetimeFigureOut">
               <a:rPr lang="zh-CN" altLang="en-US" smtClean="0"/>
-              <a:t>2024/11/27</a:t>
+              <a:t>2024/12/14</a:t>
             </a:fld>
             <a:endParaRPr lang="zh-CN" altLang="en-US"/>
           </a:p>
@@ -1826,7 +1831,7 @@
           <a:p>
             <a:fld id="{AECB94CF-D79C-461A-9D2E-F3FBD25AF99B}" type="datetimeFigureOut">
               <a:rPr lang="zh-CN" altLang="en-US" smtClean="0"/>
-              <a:t>2024/11/27</a:t>
+              <a:t>2024/12/14</a:t>
             </a:fld>
             <a:endParaRPr lang="zh-CN" altLang="en-US"/>
           </a:p>
@@ -1968,7 +1973,7 @@
           <a:p>
             <a:fld id="{AECB94CF-D79C-461A-9D2E-F3FBD25AF99B}" type="datetimeFigureOut">
               <a:rPr lang="zh-CN" altLang="en-US" smtClean="0"/>
-              <a:t>2024/11/27</a:t>
+              <a:t>2024/12/14</a:t>
             </a:fld>
             <a:endParaRPr lang="zh-CN" altLang="en-US"/>
           </a:p>
@@ -2081,7 +2086,7 @@
           <a:p>
             <a:fld id="{AECB94CF-D79C-461A-9D2E-F3FBD25AF99B}" type="datetimeFigureOut">
               <a:rPr lang="zh-CN" altLang="en-US" smtClean="0"/>
-              <a:t>2024/11/27</a:t>
+              <a:t>2024/12/14</a:t>
             </a:fld>
             <a:endParaRPr lang="zh-CN" altLang="en-US"/>
           </a:p>
@@ -2394,7 +2399,7 @@
           <a:p>
             <a:fld id="{AECB94CF-D79C-461A-9D2E-F3FBD25AF99B}" type="datetimeFigureOut">
               <a:rPr lang="zh-CN" altLang="en-US" smtClean="0"/>
-              <a:t>2024/11/27</a:t>
+              <a:t>2024/12/14</a:t>
             </a:fld>
             <a:endParaRPr lang="zh-CN" altLang="en-US"/>
           </a:p>
@@ -2683,7 +2688,7 @@
           <a:p>
             <a:fld id="{AECB94CF-D79C-461A-9D2E-F3FBD25AF99B}" type="datetimeFigureOut">
               <a:rPr lang="zh-CN" altLang="en-US" smtClean="0"/>
-              <a:t>2024/11/27</a:t>
+              <a:t>2024/12/14</a:t>
             </a:fld>
             <a:endParaRPr lang="zh-CN" altLang="en-US"/>
           </a:p>
@@ -2926,7 +2931,7 @@
           <a:p>
             <a:fld id="{AECB94CF-D79C-461A-9D2E-F3FBD25AF99B}" type="datetimeFigureOut">
               <a:rPr lang="zh-CN" altLang="en-US" smtClean="0"/>
-              <a:t>2024/11/27</a:t>
+              <a:t>2024/12/14</a:t>
             </a:fld>
             <a:endParaRPr lang="zh-CN" altLang="en-US"/>
           </a:p>
@@ -4395,6 +4400,527 @@
           </p:txBody>
         </p:sp>
       </p:grpSp>
+      <p:grpSp>
+        <p:nvGrpSpPr>
+          <p:cNvPr id="44" name="Group 43">
+            <a:extLst>
+              <a:ext uri="{FF2B5EF4-FFF2-40B4-BE49-F238E27FC236}">
+                <a16:creationId xmlns:a16="http://schemas.microsoft.com/office/drawing/2014/main" id="{4134526A-FA56-79BA-E2D1-7FFA18E467A3}"/>
+              </a:ext>
+            </a:extLst>
+          </p:cNvPr>
+          <p:cNvGrpSpPr/>
+          <p:nvPr/>
+        </p:nvGrpSpPr>
+        <p:grpSpPr>
+          <a:xfrm>
+            <a:off x="7907258" y="97779"/>
+            <a:ext cx="2473485" cy="2473485"/>
+            <a:chOff x="7907258" y="97779"/>
+            <a:chExt cx="2473485" cy="2473485"/>
+          </a:xfrm>
+        </p:grpSpPr>
+        <p:sp>
+          <p:nvSpPr>
+            <p:cNvPr id="43" name="Rectangle 42">
+              <a:extLst>
+                <a:ext uri="{FF2B5EF4-FFF2-40B4-BE49-F238E27FC236}">
+                  <a16:creationId xmlns:a16="http://schemas.microsoft.com/office/drawing/2014/main" id="{F7F72402-41FC-764D-4682-9FA17012388E}"/>
+                </a:ext>
+              </a:extLst>
+            </p:cNvPr>
+            <p:cNvSpPr/>
+            <p:nvPr/>
+          </p:nvSpPr>
+          <p:spPr>
+            <a:xfrm>
+              <a:off x="7907258" y="97779"/>
+              <a:ext cx="2473485" cy="2473485"/>
+            </a:xfrm>
+            <a:prstGeom prst="rect">
+              <a:avLst/>
+            </a:prstGeom>
+            <a:noFill/>
+            <a:ln>
+              <a:noFill/>
+            </a:ln>
+          </p:spPr>
+          <p:style>
+            <a:lnRef idx="2">
+              <a:schemeClr val="accent1">
+                <a:shade val="15000"/>
+              </a:schemeClr>
+            </a:lnRef>
+            <a:fillRef idx="1">
+              <a:schemeClr val="accent1"/>
+            </a:fillRef>
+            <a:effectRef idx="0">
+              <a:schemeClr val="accent1"/>
+            </a:effectRef>
+            <a:fontRef idx="minor">
+              <a:schemeClr val="lt1"/>
+            </a:fontRef>
+          </p:style>
+          <p:txBody>
+            <a:bodyPr rtlCol="0" anchor="ctr"/>
+            <a:lstStyle/>
+            <a:p>
+              <a:pPr algn="ctr"/>
+              <a:endParaRPr lang="zh-CN" altLang="en-US"/>
+            </a:p>
+          </p:txBody>
+        </p:sp>
+        <p:grpSp>
+          <p:nvGrpSpPr>
+            <p:cNvPr id="2" name="Group 1">
+              <a:extLst>
+                <a:ext uri="{FF2B5EF4-FFF2-40B4-BE49-F238E27FC236}">
+                  <a16:creationId xmlns:a16="http://schemas.microsoft.com/office/drawing/2014/main" id="{DE48D7FB-2A5B-67CC-3F7E-3F0073A1C257}"/>
+                </a:ext>
+              </a:extLst>
+            </p:cNvPr>
+            <p:cNvGrpSpPr/>
+            <p:nvPr/>
+          </p:nvGrpSpPr>
+          <p:grpSpPr>
+            <a:xfrm>
+              <a:off x="8355584" y="502746"/>
+              <a:ext cx="1564668" cy="1564668"/>
+              <a:chOff x="2751183" y="2209800"/>
+              <a:chExt cx="1629456" cy="1629456"/>
+            </a:xfrm>
+          </p:grpSpPr>
+          <p:grpSp>
+            <p:nvGrpSpPr>
+              <p:cNvPr id="3" name="Group 2">
+                <a:extLst>
+                  <a:ext uri="{FF2B5EF4-FFF2-40B4-BE49-F238E27FC236}">
+                    <a16:creationId xmlns:a16="http://schemas.microsoft.com/office/drawing/2014/main" id="{D00FCEF3-C93B-7B52-3779-3E2B307717BC}"/>
+                  </a:ext>
+                </a:extLst>
+              </p:cNvPr>
+              <p:cNvGrpSpPr/>
+              <p:nvPr/>
+            </p:nvGrpSpPr>
+            <p:grpSpPr>
+              <a:xfrm>
+                <a:off x="2751183" y="2209800"/>
+                <a:ext cx="1629456" cy="1629456"/>
+                <a:chOff x="317442" y="-107101"/>
+                <a:chExt cx="4876800" cy="4876800"/>
+              </a:xfrm>
+            </p:grpSpPr>
+            <p:pic>
+              <p:nvPicPr>
+                <p:cNvPr id="18" name="Picture 17">
+                  <a:extLst>
+                    <a:ext uri="{FF2B5EF4-FFF2-40B4-BE49-F238E27FC236}">
+                      <a16:creationId xmlns:a16="http://schemas.microsoft.com/office/drawing/2014/main" id="{461F3B3E-BB3C-67DA-0071-695A9B015F1A}"/>
+                    </a:ext>
+                  </a:extLst>
+                </p:cNvPr>
+                <p:cNvPicPr>
+                  <a:picLocks noChangeAspect="1"/>
+                </p:cNvPicPr>
+                <p:nvPr/>
+              </p:nvPicPr>
+              <p:blipFill>
+                <a:blip r:embed="rId2"/>
+                <a:stretch>
+                  <a:fillRect/>
+                </a:stretch>
+              </p:blipFill>
+              <p:spPr>
+                <a:xfrm>
+                  <a:off x="317442" y="-107101"/>
+                  <a:ext cx="4876800" cy="4876800"/>
+                </a:xfrm>
+                <a:prstGeom prst="rect">
+                  <a:avLst/>
+                </a:prstGeom>
+              </p:spPr>
+            </p:pic>
+            <p:pic>
+              <p:nvPicPr>
+                <p:cNvPr id="19" name="Picture 18">
+                  <a:extLst>
+                    <a:ext uri="{FF2B5EF4-FFF2-40B4-BE49-F238E27FC236}">
+                      <a16:creationId xmlns:a16="http://schemas.microsoft.com/office/drawing/2014/main" id="{266179B1-3656-634B-9D07-DCF380FEC693}"/>
+                    </a:ext>
+                  </a:extLst>
+                </p:cNvPr>
+                <p:cNvPicPr>
+                  <a:picLocks noChangeAspect="1"/>
+                </p:cNvPicPr>
+                <p:nvPr/>
+              </p:nvPicPr>
+              <p:blipFill>
+                <a:blip r:embed="rId3">
+                  <a:extLst>
+                    <a:ext uri="{BEBA8EAE-BF5A-486C-A8C5-ECC9F3942E4B}">
+                      <a14:imgProps xmlns:a14="http://schemas.microsoft.com/office/drawing/2010/main">
+                        <a14:imgLayer r:embed="rId4">
+                          <a14:imgEffect>
+                            <a14:brightnessContrast bright="40000" contrast="-20000"/>
+                          </a14:imgEffect>
+                        </a14:imgLayer>
+                      </a14:imgProps>
+                    </a:ext>
+                  </a:extLst>
+                </a:blip>
+                <a:srcRect l="70870" t="66844" r="21025" b="25115"/>
+                <a:stretch/>
+              </p:blipFill>
+              <p:spPr>
+                <a:xfrm>
+                  <a:off x="3758964" y="3138483"/>
+                  <a:ext cx="424097" cy="420692"/>
+                </a:xfrm>
+                <a:prstGeom prst="rect">
+                  <a:avLst/>
+                </a:prstGeom>
+              </p:spPr>
+            </p:pic>
+            <p:pic>
+              <p:nvPicPr>
+                <p:cNvPr id="20" name="Picture 19">
+                  <a:extLst>
+                    <a:ext uri="{FF2B5EF4-FFF2-40B4-BE49-F238E27FC236}">
+                      <a16:creationId xmlns:a16="http://schemas.microsoft.com/office/drawing/2014/main" id="{924454B0-E672-A824-2ED8-43FBF77CB6C4}"/>
+                    </a:ext>
+                  </a:extLst>
+                </p:cNvPr>
+                <p:cNvPicPr>
+                  <a:picLocks noChangeAspect="1"/>
+                </p:cNvPicPr>
+                <p:nvPr/>
+              </p:nvPicPr>
+              <p:blipFill>
+                <a:blip r:embed="rId5">
+                  <a:extLst>
+                    <a:ext uri="{BEBA8EAE-BF5A-486C-A8C5-ECC9F3942E4B}">
+                      <a14:imgProps xmlns:a14="http://schemas.microsoft.com/office/drawing/2010/main">
+                        <a14:imgLayer r:embed="rId4">
+                          <a14:imgEffect>
+                            <a14:brightnessContrast bright="40000" contrast="-40000"/>
+                          </a14:imgEffect>
+                        </a14:imgLayer>
+                      </a14:imgProps>
+                    </a:ext>
+                  </a:extLst>
+                </a:blip>
+                <a:srcRect l="70870" t="66844" r="21025" b="25115"/>
+                <a:stretch/>
+              </p:blipFill>
+              <p:spPr>
+                <a:xfrm>
+                  <a:off x="2543793" y="3138483"/>
+                  <a:ext cx="424097" cy="420692"/>
+                </a:xfrm>
+                <a:prstGeom prst="rect">
+                  <a:avLst/>
+                </a:prstGeom>
+              </p:spPr>
+            </p:pic>
+            <p:pic>
+              <p:nvPicPr>
+                <p:cNvPr id="21" name="Picture 20">
+                  <a:extLst>
+                    <a:ext uri="{FF2B5EF4-FFF2-40B4-BE49-F238E27FC236}">
+                      <a16:creationId xmlns:a16="http://schemas.microsoft.com/office/drawing/2014/main" id="{A59EBD2F-72EA-0EAC-E6D5-C38BF7231C75}"/>
+                    </a:ext>
+                  </a:extLst>
+                </p:cNvPr>
+                <p:cNvPicPr>
+                  <a:picLocks noChangeAspect="1"/>
+                </p:cNvPicPr>
+                <p:nvPr/>
+              </p:nvPicPr>
+              <p:blipFill>
+                <a:blip r:embed="rId5">
+                  <a:extLst>
+                    <a:ext uri="{BEBA8EAE-BF5A-486C-A8C5-ECC9F3942E4B}">
+                      <a14:imgProps xmlns:a14="http://schemas.microsoft.com/office/drawing/2010/main">
+                        <a14:imgLayer r:embed="rId4">
+                          <a14:imgEffect>
+                            <a14:brightnessContrast bright="40000" contrast="-40000"/>
+                          </a14:imgEffect>
+                        </a14:imgLayer>
+                      </a14:imgProps>
+                    </a:ext>
+                  </a:extLst>
+                </a:blip>
+                <a:srcRect l="70870" t="66844" r="21025" b="25115"/>
+                <a:stretch/>
+              </p:blipFill>
+              <p:spPr>
+                <a:xfrm>
+                  <a:off x="3758963" y="2120953"/>
+                  <a:ext cx="424097" cy="420692"/>
+                </a:xfrm>
+                <a:prstGeom prst="rect">
+                  <a:avLst/>
+                </a:prstGeom>
+              </p:spPr>
+            </p:pic>
+            <p:pic>
+              <p:nvPicPr>
+                <p:cNvPr id="22" name="Picture 21">
+                  <a:extLst>
+                    <a:ext uri="{FF2B5EF4-FFF2-40B4-BE49-F238E27FC236}">
+                      <a16:creationId xmlns:a16="http://schemas.microsoft.com/office/drawing/2014/main" id="{58EAF1A4-E194-B44B-4655-3F836B41849F}"/>
+                    </a:ext>
+                  </a:extLst>
+                </p:cNvPr>
+                <p:cNvPicPr>
+                  <a:picLocks noChangeAspect="1"/>
+                </p:cNvPicPr>
+                <p:nvPr/>
+              </p:nvPicPr>
+              <p:blipFill>
+                <a:blip r:embed="rId6">
+                  <a:extLst>
+                    <a:ext uri="{BEBA8EAE-BF5A-486C-A8C5-ECC9F3942E4B}">
+                      <a14:imgProps xmlns:a14="http://schemas.microsoft.com/office/drawing/2010/main">
+                        <a14:imgLayer r:embed="rId4">
+                          <a14:imgEffect>
+                            <a14:brightnessContrast bright="-20000" contrast="-40000"/>
+                          </a14:imgEffect>
+                        </a14:imgLayer>
+                      </a14:imgProps>
+                    </a:ext>
+                  </a:extLst>
+                </a:blip>
+                <a:srcRect l="70870" t="66844" r="21025" b="25115"/>
+                <a:stretch/>
+              </p:blipFill>
+              <p:spPr>
+                <a:xfrm>
+                  <a:off x="2542572" y="1094999"/>
+                  <a:ext cx="424097" cy="420692"/>
+                </a:xfrm>
+                <a:prstGeom prst="rect">
+                  <a:avLst/>
+                </a:prstGeom>
+              </p:spPr>
+            </p:pic>
+            <p:pic>
+              <p:nvPicPr>
+                <p:cNvPr id="23" name="Picture 22">
+                  <a:extLst>
+                    <a:ext uri="{FF2B5EF4-FFF2-40B4-BE49-F238E27FC236}">
+                      <a16:creationId xmlns:a16="http://schemas.microsoft.com/office/drawing/2014/main" id="{7EBA14AF-D066-F74E-B317-8C6132C30BEF}"/>
+                    </a:ext>
+                  </a:extLst>
+                </p:cNvPr>
+                <p:cNvPicPr>
+                  <a:picLocks noChangeAspect="1"/>
+                </p:cNvPicPr>
+                <p:nvPr/>
+              </p:nvPicPr>
+              <p:blipFill>
+                <a:blip r:embed="rId7">
+                  <a:extLst>
+                    <a:ext uri="{BEBA8EAE-BF5A-486C-A8C5-ECC9F3942E4B}">
+                      <a14:imgProps xmlns:a14="http://schemas.microsoft.com/office/drawing/2010/main">
+                        <a14:imgLayer r:embed="rId4">
+                          <a14:imgEffect>
+                            <a14:brightnessContrast bright="-40000" contrast="20000"/>
+                          </a14:imgEffect>
+                        </a14:imgLayer>
+                      </a14:imgProps>
+                    </a:ext>
+                  </a:extLst>
+                </a:blip>
+                <a:srcRect l="70870" t="66844" r="21025" b="25115"/>
+                <a:stretch/>
+              </p:blipFill>
+              <p:spPr>
+                <a:xfrm>
+                  <a:off x="1339662" y="1094999"/>
+                  <a:ext cx="424097" cy="420692"/>
+                </a:xfrm>
+                <a:prstGeom prst="rect">
+                  <a:avLst/>
+                </a:prstGeom>
+              </p:spPr>
+            </p:pic>
+            <p:pic>
+              <p:nvPicPr>
+                <p:cNvPr id="42" name="Picture 41">
+                  <a:extLst>
+                    <a:ext uri="{FF2B5EF4-FFF2-40B4-BE49-F238E27FC236}">
+                      <a16:creationId xmlns:a16="http://schemas.microsoft.com/office/drawing/2014/main" id="{9B0CE345-325B-D473-C3CD-036A84AC7959}"/>
+                    </a:ext>
+                  </a:extLst>
+                </p:cNvPr>
+                <p:cNvPicPr>
+                  <a:picLocks noChangeAspect="1"/>
+                </p:cNvPicPr>
+                <p:nvPr/>
+              </p:nvPicPr>
+              <p:blipFill>
+                <a:blip r:embed="rId6">
+                  <a:extLst>
+                    <a:ext uri="{BEBA8EAE-BF5A-486C-A8C5-ECC9F3942E4B}">
+                      <a14:imgProps xmlns:a14="http://schemas.microsoft.com/office/drawing/2010/main">
+                        <a14:imgLayer r:embed="rId4">
+                          <a14:imgEffect>
+                            <a14:brightnessContrast bright="-20000" contrast="-40000"/>
+                          </a14:imgEffect>
+                        </a14:imgLayer>
+                      </a14:imgProps>
+                    </a:ext>
+                  </a:extLst>
+                </a:blip>
+                <a:srcRect l="70870" t="66844" r="21025" b="25115"/>
+                <a:stretch/>
+              </p:blipFill>
+              <p:spPr>
+                <a:xfrm>
+                  <a:off x="1339661" y="2120953"/>
+                  <a:ext cx="424097" cy="420692"/>
+                </a:xfrm>
+                <a:prstGeom prst="rect">
+                  <a:avLst/>
+                </a:prstGeom>
+              </p:spPr>
+            </p:pic>
+          </p:grpSp>
+          <p:pic>
+            <p:nvPicPr>
+              <p:cNvPr id="4" name="Picture 3">
+                <a:extLst>
+                  <a:ext uri="{FF2B5EF4-FFF2-40B4-BE49-F238E27FC236}">
+                    <a16:creationId xmlns:a16="http://schemas.microsoft.com/office/drawing/2014/main" id="{2861C469-7DCB-5BCF-8963-A9D4016C40DC}"/>
+                  </a:ext>
+                </a:extLst>
+              </p:cNvPr>
+              <p:cNvPicPr>
+                <a:picLocks noChangeAspect="1"/>
+              </p:cNvPicPr>
+              <p:nvPr/>
+            </p:nvPicPr>
+            <p:blipFill>
+              <a:blip r:embed="rId2"/>
+              <a:srcRect l="32845" t="33193" r="54944" b="55636"/>
+              <a:stretch/>
+            </p:blipFill>
+            <p:spPr>
+              <a:xfrm>
+                <a:off x="3466019" y="2590714"/>
+                <a:ext cx="198966" cy="182033"/>
+              </a:xfrm>
+              <a:prstGeom prst="rect">
+                <a:avLst/>
+              </a:prstGeom>
+            </p:spPr>
+          </p:pic>
+          <p:pic>
+            <p:nvPicPr>
+              <p:cNvPr id="5" name="Picture 4">
+                <a:extLst>
+                  <a:ext uri="{FF2B5EF4-FFF2-40B4-BE49-F238E27FC236}">
+                    <a16:creationId xmlns:a16="http://schemas.microsoft.com/office/drawing/2014/main" id="{673BF923-05F4-0224-58D3-E226C60C3896}"/>
+                  </a:ext>
+                </a:extLst>
+              </p:cNvPr>
+              <p:cNvPicPr>
+                <a:picLocks noChangeAspect="1"/>
+              </p:cNvPicPr>
+              <p:nvPr/>
+            </p:nvPicPr>
+            <p:blipFill>
+              <a:blip r:embed="rId2"/>
+              <a:srcRect l="32845" t="33193" r="54944" b="55636"/>
+              <a:stretch/>
+            </p:blipFill>
+            <p:spPr>
+              <a:xfrm>
+                <a:off x="3476497" y="2928329"/>
+                <a:ext cx="198966" cy="182033"/>
+              </a:xfrm>
+              <a:prstGeom prst="rect">
+                <a:avLst/>
+              </a:prstGeom>
+            </p:spPr>
+          </p:pic>
+          <p:pic>
+            <p:nvPicPr>
+              <p:cNvPr id="14" name="Picture 13">
+                <a:extLst>
+                  <a:ext uri="{FF2B5EF4-FFF2-40B4-BE49-F238E27FC236}">
+                    <a16:creationId xmlns:a16="http://schemas.microsoft.com/office/drawing/2014/main" id="{5C5DD959-9F6F-C4B4-F833-8F8C559CA91A}"/>
+                  </a:ext>
+                </a:extLst>
+              </p:cNvPr>
+              <p:cNvPicPr>
+                <a:picLocks noChangeAspect="1"/>
+              </p:cNvPicPr>
+              <p:nvPr/>
+            </p:nvPicPr>
+            <p:blipFill>
+              <a:blip r:embed="rId2"/>
+              <a:srcRect l="32845" t="33193" r="54944" b="55636"/>
+              <a:stretch/>
+            </p:blipFill>
+            <p:spPr>
+              <a:xfrm>
+                <a:off x="3463735" y="3273492"/>
+                <a:ext cx="198966" cy="182033"/>
+              </a:xfrm>
+              <a:prstGeom prst="rect">
+                <a:avLst/>
+              </a:prstGeom>
+            </p:spPr>
+          </p:pic>
+          <p:pic>
+            <p:nvPicPr>
+              <p:cNvPr id="16" name="Picture 15">
+                <a:extLst>
+                  <a:ext uri="{FF2B5EF4-FFF2-40B4-BE49-F238E27FC236}">
+                    <a16:creationId xmlns:a16="http://schemas.microsoft.com/office/drawing/2014/main" id="{BFFCCDE9-2334-3E08-ECA2-926D12C8F134}"/>
+                  </a:ext>
+                </a:extLst>
+              </p:cNvPr>
+              <p:cNvPicPr>
+                <a:picLocks noChangeAspect="1"/>
+              </p:cNvPicPr>
+              <p:nvPr/>
+            </p:nvPicPr>
+            <p:blipFill>
+              <a:blip r:embed="rId8">
+                <a:alphaModFix/>
+                <a:extLst>
+                  <a:ext uri="{BEBA8EAE-BF5A-486C-A8C5-ECC9F3942E4B}">
+                    <a14:imgProps xmlns:a14="http://schemas.microsoft.com/office/drawing/2010/main">
+                      <a14:imgLayer r:embed="rId9">
+                        <a14:imgEffect>
+                          <a14:backgroundRemoval t="0" b="97656" l="586" r="51758">
+                            <a14:foregroundMark x1="36523" y1="8789" x2="51953" y2="0"/>
+                            <a14:foregroundMark x1="13867" y1="89063" x2="586" y2="97656"/>
+                          </a14:backgroundRemoval>
+                        </a14:imgEffect>
+                      </a14:imgLayer>
+                    </a14:imgProps>
+                  </a:ext>
+                </a:extLst>
+              </a:blip>
+              <a:srcRect r="49076"/>
+              <a:stretch/>
+            </p:blipFill>
+            <p:spPr>
+              <a:xfrm>
+                <a:off x="3218560" y="2290562"/>
+                <a:ext cx="753368" cy="1479402"/>
+              </a:xfrm>
+              <a:prstGeom prst="rect">
+                <a:avLst/>
+              </a:prstGeom>
+            </p:spPr>
+          </p:pic>
+        </p:grpSp>
+      </p:grpSp>
     </p:spTree>
     <p:extLst>
       <p:ext uri="{BB962C8B-B14F-4D97-AF65-F5344CB8AC3E}">
